--- a/2023/20231118/dsi-kris.pptx
+++ b/2023/20231118/dsi-kris.pptx
@@ -10,8 +10,8 @@
     <p:sldId id="258" r:id="rId4"/>
     <p:sldId id="260" r:id="rId5"/>
     <p:sldId id="262" r:id="rId6"/>
-    <p:sldId id="278" r:id="rId7"/>
-    <p:sldId id="259" r:id="rId8"/>
+    <p:sldId id="259" r:id="rId7"/>
+    <p:sldId id="278" r:id="rId8"/>
     <p:sldId id="279" r:id="rId9"/>
     <p:sldId id="261" r:id="rId10"/>
     <p:sldId id="263" r:id="rId11"/>
@@ -298,7 +298,7 @@
           <a:p>
             <a:fld id="{54B15FB7-4475-4415-91D1-46C061696B9A}" type="datetimeFigureOut">
               <a:rPr lang="en-US" smtClean="0"/>
-              <a:t>11/16/23</a:t>
+              <a:t>11/17/23</a:t>
             </a:fld>
             <a:endParaRPr lang="en-US"/>
           </a:p>
@@ -628,7 +628,7 @@
           <a:p>
             <a:fld id="{54B15FB7-4475-4415-91D1-46C061696B9A}" type="datetimeFigureOut">
               <a:rPr lang="en-US" smtClean="0"/>
-              <a:t>11/16/23</a:t>
+              <a:t>11/17/23</a:t>
             </a:fld>
             <a:endParaRPr lang="en-US"/>
           </a:p>
@@ -808,7 +808,7 @@
           <a:p>
             <a:fld id="{54B15FB7-4475-4415-91D1-46C061696B9A}" type="datetimeFigureOut">
               <a:rPr lang="en-US" smtClean="0"/>
-              <a:t>11/16/23</a:t>
+              <a:t>11/17/23</a:t>
             </a:fld>
             <a:endParaRPr lang="en-US"/>
           </a:p>
@@ -978,7 +978,7 @@
           <a:p>
             <a:fld id="{54B15FB7-4475-4415-91D1-46C061696B9A}" type="datetimeFigureOut">
               <a:rPr lang="en-US" smtClean="0"/>
-              <a:t>11/16/23</a:t>
+              <a:t>11/17/23</a:t>
             </a:fld>
             <a:endParaRPr lang="en-US"/>
           </a:p>
@@ -1255,7 +1255,7 @@
           <a:p>
             <a:fld id="{54B15FB7-4475-4415-91D1-46C061696B9A}" type="datetimeFigureOut">
               <a:rPr lang="en-US" smtClean="0"/>
-              <a:t>11/16/23</a:t>
+              <a:t>11/17/23</a:t>
             </a:fld>
             <a:endParaRPr lang="en-US"/>
           </a:p>
@@ -1649,7 +1649,7 @@
           <a:p>
             <a:fld id="{54B15FB7-4475-4415-91D1-46C061696B9A}" type="datetimeFigureOut">
               <a:rPr lang="en-US" smtClean="0"/>
-              <a:t>11/16/23</a:t>
+              <a:t>11/17/23</a:t>
             </a:fld>
             <a:endParaRPr lang="en-US"/>
           </a:p>
@@ -2126,7 +2126,7 @@
           <a:p>
             <a:fld id="{54B15FB7-4475-4415-91D1-46C061696B9A}" type="datetimeFigureOut">
               <a:rPr lang="en-US" smtClean="0"/>
-              <a:t>11/16/23</a:t>
+              <a:t>11/17/23</a:t>
             </a:fld>
             <a:endParaRPr lang="en-US"/>
           </a:p>
@@ -2244,7 +2244,7 @@
           <a:p>
             <a:fld id="{54B15FB7-4475-4415-91D1-46C061696B9A}" type="datetimeFigureOut">
               <a:rPr lang="en-US" smtClean="0"/>
-              <a:t>11/16/23</a:t>
+              <a:t>11/17/23</a:t>
             </a:fld>
             <a:endParaRPr lang="en-US"/>
           </a:p>
@@ -2339,7 +2339,7 @@
           <a:p>
             <a:fld id="{54B15FB7-4475-4415-91D1-46C061696B9A}" type="datetimeFigureOut">
               <a:rPr lang="en-US" smtClean="0"/>
-              <a:t>11/16/23</a:t>
+              <a:t>11/17/23</a:t>
             </a:fld>
             <a:endParaRPr lang="en-US"/>
           </a:p>
@@ -2685,7 +2685,7 @@
           <a:p>
             <a:fld id="{54B15FB7-4475-4415-91D1-46C061696B9A}" type="datetimeFigureOut">
               <a:rPr lang="en-US" smtClean="0"/>
-              <a:t>11/16/23</a:t>
+              <a:t>11/17/23</a:t>
             </a:fld>
             <a:endParaRPr lang="en-US"/>
           </a:p>
@@ -3073,7 +3073,7 @@
           <a:p>
             <a:fld id="{54B15FB7-4475-4415-91D1-46C061696B9A}" type="datetimeFigureOut">
               <a:rPr lang="en-US" smtClean="0"/>
-              <a:t>11/16/23</a:t>
+              <a:t>11/17/23</a:t>
             </a:fld>
             <a:endParaRPr lang="en-US"/>
           </a:p>
@@ -3351,7 +3351,7 @@
           <a:p>
             <a:fld id="{54B15FB7-4475-4415-91D1-46C061696B9A}" type="datetimeFigureOut">
               <a:rPr lang="en-US" smtClean="0"/>
-              <a:t>11/16/23</a:t>
+              <a:t>11/17/23</a:t>
             </a:fld>
             <a:endParaRPr lang="en-US"/>
           </a:p>
@@ -4635,7 +4635,39 @@
                     <a:ea typeface="Times New Roman" panose="02020603050405020304" pitchFamily="18" charset="0"/>
                     <a:cs typeface="Arial Unicode MS"/>
                   </a:rPr>
-                  <a:t>We controlled for demographic variables (ESL – First Generation College)</a:t>
+                  <a:t>We controlled for demographic variables (</a:t>
+                </a:r>
+                <a:r>
+                  <a:rPr lang="en-US" sz="1600" dirty="0">
+                    <a:solidFill>
+                      <a:srgbClr val="000000"/>
+                    </a:solidFill>
+                    <a:uFill>
+                      <a:solidFill>
+                        <a:srgbClr val="000000"/>
+                      </a:solidFill>
+                    </a:uFill>
+                    <a:latin typeface="Oxygen" panose="02000503000000000000" pitchFamily="2" charset="77"/>
+                    <a:ea typeface="Arial Unicode MS"/>
+                    <a:cs typeface="Arial Unicode MS"/>
+                  </a:rPr>
+                  <a:t>Gender, Age Group, ESL, Work, and First-Generation College Student</a:t>
+                </a:r>
+                <a:r>
+                  <a:rPr lang="en-US" sz="1600" dirty="0">
+                    <a:solidFill>
+                      <a:srgbClr val="000000"/>
+                    </a:solidFill>
+                    <a:uFill>
+                      <a:solidFill>
+                        <a:srgbClr val="000000"/>
+                      </a:solidFill>
+                    </a:uFill>
+                    <a:latin typeface="Oxygen" panose="02000503000000000000" pitchFamily="2" charset="77"/>
+                    <a:ea typeface="Times New Roman" panose="02020603050405020304" pitchFamily="18" charset="0"/>
+                    <a:cs typeface="Arial Unicode MS"/>
+                  </a:rPr>
+                  <a:t>)</a:t>
                 </a:r>
               </a:p>
               <a:p>
@@ -9524,7 +9556,7 @@
               <a:t>90% confidence intervals of SRC </a:t>
             </a:r>
             <a:r>
-              <a:rPr lang="de-DE" sz="1600" err="1">
+              <a:rPr lang="de-DE" sz="1600" dirty="0" err="1">
                 <a:solidFill>
                   <a:srgbClr val="000000"/>
                 </a:solidFill>
@@ -9540,7 +9572,7 @@
               <a:t>by</a:t>
             </a:r>
             <a:r>
-              <a:rPr lang="de-DE" sz="1600">
+              <a:rPr lang="de-DE" sz="1600" dirty="0">
                 <a:solidFill>
                   <a:srgbClr val="000000"/>
                 </a:solidFill>
@@ -9556,22 +9588,6 @@
               <a:t> </a:t>
             </a:r>
             <a:r>
-              <a:rPr lang="en-US" sz="1600">
-                <a:solidFill>
-                  <a:srgbClr val="000000"/>
-                </a:solidFill>
-                <a:uFill>
-                  <a:solidFill>
-                    <a:srgbClr val="000000"/>
-                  </a:solidFill>
-                </a:uFill>
-                <a:latin typeface="Oxygen" panose="02000503000000000000" pitchFamily="2" charset="77"/>
-                <a:ea typeface="Arial Unicode MS"/>
-                <a:cs typeface="Arial Unicode MS"/>
-              </a:rPr>
-              <a:t>Gender, AgeGroup, ESL, Work, </a:t>
-            </a:r>
-            <a:r>
               <a:rPr lang="en-US" sz="1600" dirty="0">
                 <a:solidFill>
                   <a:srgbClr val="000000"/>
@@ -9585,7 +9601,7 @@
                 <a:ea typeface="Arial Unicode MS"/>
                 <a:cs typeface="Arial Unicode MS"/>
               </a:rPr>
-              <a:t>and First-Generation College Student.</a:t>
+              <a:t>Age Group, ESL, First-Generation College Student, Gender, and Work.</a:t>
             </a:r>
           </a:p>
         </p:txBody>
@@ -12494,7 +12510,7 @@
             </a:pPr>
             <a:r>
               <a:rPr lang="en-US" dirty="0">
-                <a:latin typeface="Arimo" panose="020B0604020202020204" pitchFamily="34" charset="0"/>
+                <a:latin typeface="Oxygen" panose="02000503000000000000" pitchFamily="2" charset="77"/>
                 <a:ea typeface="Arimo" panose="020B0604020202020204" pitchFamily="34" charset="0"/>
                 <a:cs typeface="Arimo" panose="020B0604020202020204" pitchFamily="34" charset="0"/>
               </a:rPr>
@@ -12507,7 +12523,7 @@
               <a:buAutoNum type="arabicPeriod"/>
             </a:pPr>
             <a:endParaRPr lang="en-US" dirty="0">
-              <a:latin typeface="Arimo" panose="020B0604020202020204" pitchFamily="34" charset="0"/>
+              <a:latin typeface="Oxygen" panose="02000503000000000000" pitchFamily="2" charset="77"/>
               <a:ea typeface="Arimo" panose="020B0604020202020204" pitchFamily="34" charset="0"/>
               <a:cs typeface="Arimo" panose="020B0604020202020204" pitchFamily="34" charset="0"/>
             </a:endParaRPr>
@@ -12519,7 +12535,7 @@
             </a:pPr>
             <a:r>
               <a:rPr lang="en-US" dirty="0">
-                <a:latin typeface="Arimo" panose="020B0604020202020204" pitchFamily="34" charset="0"/>
+                <a:latin typeface="Oxygen" panose="02000503000000000000" pitchFamily="2" charset="77"/>
                 <a:ea typeface="Arimo" panose="020B0604020202020204" pitchFamily="34" charset="0"/>
                 <a:cs typeface="Arimo" panose="020B0604020202020204" pitchFamily="34" charset="0"/>
               </a:rPr>
@@ -12533,27 +12549,11 @@
             </a:pPr>
             <a:r>
               <a:rPr lang="en-US" dirty="0">
-                <a:latin typeface="Arimo" panose="020B0604020202020204" pitchFamily="34" charset="0"/>
+                <a:latin typeface="Oxygen" panose="02000503000000000000" pitchFamily="2" charset="77"/>
                 <a:ea typeface="Arimo" panose="020B0604020202020204" pitchFamily="34" charset="0"/>
                 <a:cs typeface="Arimo" panose="020B0604020202020204" pitchFamily="34" charset="0"/>
               </a:rPr>
-              <a:t>Topics covered: </a:t>
-            </a:r>
-            <a:r>
-              <a:rPr lang="en-US">
-                <a:latin typeface="Arimo" panose="020B0604020202020204" pitchFamily="34" charset="0"/>
-                <a:ea typeface="Arimo" panose="020B0604020202020204" pitchFamily="34" charset="0"/>
-                <a:cs typeface="Arimo" panose="020B0604020202020204" pitchFamily="34" charset="0"/>
-              </a:rPr>
-              <a:t>R basics, functions, </a:t>
-            </a:r>
-            <a:r>
-              <a:rPr lang="en-US" dirty="0">
-                <a:latin typeface="Arimo" panose="020B0604020202020204" pitchFamily="34" charset="0"/>
-                <a:ea typeface="Arimo" panose="020B0604020202020204" pitchFamily="34" charset="0"/>
-                <a:cs typeface="Arimo" panose="020B0604020202020204" pitchFamily="34" charset="0"/>
-              </a:rPr>
-              <a:t>data manipulation and using packages</a:t>
+              <a:t>Topics covered: R basics, functions, data manipulation and using packages</a:t>
             </a:r>
           </a:p>
           <a:p>
@@ -12563,75 +12563,11 @@
             </a:pPr>
             <a:r>
               <a:rPr lang="en-US" dirty="0">
-                <a:latin typeface="Arimo" panose="020B0604020202020204" pitchFamily="34" charset="0"/>
+                <a:latin typeface="Oxygen" panose="02000503000000000000" pitchFamily="2" charset="77"/>
                 <a:ea typeface="Arimo" panose="020B0604020202020204" pitchFamily="34" charset="0"/>
                 <a:cs typeface="Arimo" panose="020B0604020202020204" pitchFamily="34" charset="0"/>
               </a:rPr>
-              <a:t>Homework assignments: i) </a:t>
-            </a:r>
-            <a:r>
-              <a:rPr lang="en-US">
-                <a:latin typeface="Arimo" panose="020B0604020202020204" pitchFamily="34" charset="0"/>
-                <a:ea typeface="Arimo" panose="020B0604020202020204" pitchFamily="34" charset="0"/>
-                <a:cs typeface="Arimo" panose="020B0604020202020204" pitchFamily="34" charset="0"/>
-              </a:rPr>
-              <a:t>R basics, </a:t>
-            </a:r>
-            <a:r>
-              <a:rPr lang="en-US" dirty="0">
-                <a:latin typeface="Arimo" panose="020B0604020202020204" pitchFamily="34" charset="0"/>
-                <a:ea typeface="Arimo" panose="020B0604020202020204" pitchFamily="34" charset="0"/>
-                <a:cs typeface="Arimo" panose="020B0604020202020204" pitchFamily="34" charset="0"/>
-              </a:rPr>
-              <a:t>ii</a:t>
-            </a:r>
-            <a:r>
-              <a:rPr lang="en-US">
-                <a:latin typeface="Arimo" panose="020B0604020202020204" pitchFamily="34" charset="0"/>
-                <a:ea typeface="Arimo" panose="020B0604020202020204" pitchFamily="34" charset="0"/>
-                <a:cs typeface="Arimo" panose="020B0604020202020204" pitchFamily="34" charset="0"/>
-              </a:rPr>
-              <a:t>) Classification, </a:t>
-            </a:r>
-            <a:r>
-              <a:rPr lang="en-US" dirty="0">
-                <a:latin typeface="Arimo" panose="020B0604020202020204" pitchFamily="34" charset="0"/>
-                <a:ea typeface="Arimo" panose="020B0604020202020204" pitchFamily="34" charset="0"/>
-                <a:cs typeface="Arimo" panose="020B0604020202020204" pitchFamily="34" charset="0"/>
-              </a:rPr>
-              <a:t>iii) </a:t>
-            </a:r>
-            <a:r>
-              <a:rPr lang="en-US">
-                <a:latin typeface="Arimo" panose="020B0604020202020204" pitchFamily="34" charset="0"/>
-                <a:ea typeface="Arimo" panose="020B0604020202020204" pitchFamily="34" charset="0"/>
-                <a:cs typeface="Arimo" panose="020B0604020202020204" pitchFamily="34" charset="0"/>
-              </a:rPr>
-              <a:t>Logistic Regression, </a:t>
-            </a:r>
-            <a:r>
-              <a:rPr lang="en-US" dirty="0">
-                <a:latin typeface="Arimo" panose="020B0604020202020204" pitchFamily="34" charset="0"/>
-                <a:ea typeface="Arimo" panose="020B0604020202020204" pitchFamily="34" charset="0"/>
-                <a:cs typeface="Arimo" panose="020B0604020202020204" pitchFamily="34" charset="0"/>
-              </a:rPr>
-              <a:t>iv) </a:t>
-            </a:r>
-            <a:r>
-              <a:rPr lang="en-US">
-                <a:latin typeface="Arimo" panose="020B0604020202020204" pitchFamily="34" charset="0"/>
-                <a:ea typeface="Arimo" panose="020B0604020202020204" pitchFamily="34" charset="0"/>
-                <a:cs typeface="Arimo" panose="020B0604020202020204" pitchFamily="34" charset="0"/>
-              </a:rPr>
-              <a:t>Neural Networks, </a:t>
-            </a:r>
-            <a:r>
-              <a:rPr lang="en-US" dirty="0">
-                <a:latin typeface="Arimo" panose="020B0604020202020204" pitchFamily="34" charset="0"/>
-                <a:ea typeface="Arimo" panose="020B0604020202020204" pitchFamily="34" charset="0"/>
-                <a:cs typeface="Arimo" panose="020B0604020202020204" pitchFamily="34" charset="0"/>
-              </a:rPr>
-              <a:t>and v) Clustering</a:t>
+              <a:t>Homework assignments: i) R basics, ii) Classification, iii) Logistic Regression, iv) Neural Networks, and v) Clustering</a:t>
             </a:r>
           </a:p>
           <a:p>
@@ -16763,110 +16699,6 @@
           <a:chExt cx="0" cy="0"/>
         </a:xfrm>
       </p:grpSpPr>
-      <p:pic>
-        <p:nvPicPr>
-          <p:cNvPr id="4" name="Picture 3">
-            <a:extLst>
-              <a:ext uri="{FF2B5EF4-FFF2-40B4-BE49-F238E27FC236}">
-                <a16:creationId xmlns:a16="http://schemas.microsoft.com/office/drawing/2014/main" id="{AE462CF9-26A2-5A61-9143-D6231185E455}"/>
-              </a:ext>
-            </a:extLst>
-          </p:cNvPr>
-          <p:cNvPicPr/>
-          <p:nvPr/>
-        </p:nvPicPr>
-        <p:blipFill>
-          <a:blip r:embed="rId2" cstate="print">
-            <a:extLst>
-              <a:ext uri="{28A0092B-C50C-407E-A947-70E740481C1C}">
-                <a14:useLocalDpi xmlns:a14="http://schemas.microsoft.com/office/drawing/2010/main" val="0"/>
-              </a:ext>
-            </a:extLst>
-          </a:blip>
-          <a:stretch>
-            <a:fillRect/>
-          </a:stretch>
-        </p:blipFill>
-        <p:spPr>
-          <a:xfrm>
-            <a:off x="3057515" y="1213887"/>
-            <a:ext cx="6076970" cy="5644113"/>
-          </a:xfrm>
-          <a:prstGeom prst="rect">
-            <a:avLst/>
-          </a:prstGeom>
-        </p:spPr>
-      </p:pic>
-      <p:sp>
-        <p:nvSpPr>
-          <p:cNvPr id="5" name="Rectangle 4">
-            <a:extLst>
-              <a:ext uri="{FF2B5EF4-FFF2-40B4-BE49-F238E27FC236}">
-                <a16:creationId xmlns:a16="http://schemas.microsoft.com/office/drawing/2014/main" id="{B98474F4-3A16-A413-2B79-8F7C884EC5C1}"/>
-              </a:ext>
-            </a:extLst>
-          </p:cNvPr>
-          <p:cNvSpPr/>
-          <p:nvPr/>
-        </p:nvSpPr>
-        <p:spPr>
-          <a:xfrm>
-            <a:off x="1384534" y="210664"/>
-            <a:ext cx="10254730" cy="646331"/>
-          </a:xfrm>
-          <a:prstGeom prst="rect">
-            <a:avLst/>
-          </a:prstGeom>
-        </p:spPr>
-        <p:txBody>
-          <a:bodyPr wrap="none">
-            <a:spAutoFit/>
-          </a:bodyPr>
-          <a:lstStyle/>
-          <a:p>
-            <a:r>
-              <a:rPr lang="en-US" sz="3600" dirty="0">
-                <a:latin typeface="Oxygen" panose="02000503000000000000" pitchFamily="2" charset="77"/>
-                <a:ea typeface="Times New Roman" panose="02020603050405020304" pitchFamily="18" charset="0"/>
-              </a:rPr>
-              <a:t>Correlations Among Survey Question Responses</a:t>
-            </a:r>
-            <a:endParaRPr lang="en-US" sz="3600" dirty="0">
-              <a:latin typeface="Oxygen" panose="02000503000000000000" pitchFamily="2" charset="77"/>
-            </a:endParaRPr>
-          </a:p>
-        </p:txBody>
-      </p:sp>
-    </p:spTree>
-    <p:extLst>
-      <p:ext uri="{BB962C8B-B14F-4D97-AF65-F5344CB8AC3E}">
-        <p14:creationId xmlns:p14="http://schemas.microsoft.com/office/powerpoint/2010/main" val="1842160530"/>
-      </p:ext>
-    </p:extLst>
-  </p:cSld>
-  <p:clrMapOvr>
-    <a:masterClrMapping/>
-  </p:clrMapOvr>
-</p:sld>
-</file>
-
-<file path=ppt/slides/slide7.xml><?xml version="1.0" encoding="utf-8"?>
-<p:sld xmlns:a="http://schemas.openxmlformats.org/drawingml/2006/main" xmlns:r="http://schemas.openxmlformats.org/officeDocument/2006/relationships" xmlns:p="http://schemas.openxmlformats.org/presentationml/2006/main">
-  <p:cSld>
-    <p:spTree>
-      <p:nvGrpSpPr>
-        <p:cNvPr id="1" name=""/>
-        <p:cNvGrpSpPr/>
-        <p:nvPr/>
-      </p:nvGrpSpPr>
-      <p:grpSpPr>
-        <a:xfrm>
-          <a:off x="0" y="0"/>
-          <a:ext cx="0" cy="0"/>
-          <a:chOff x="0" y="0"/>
-          <a:chExt cx="0" cy="0"/>
-        </a:xfrm>
-      </p:grpSpPr>
       <p:sp>
         <p:nvSpPr>
           <p:cNvPr id="2" name="Rectangle 2"/>
@@ -16951,8 +16783,8 @@
         </p:blipFill>
         <p:spPr bwMode="auto">
           <a:xfrm>
-            <a:off x="1605244" y="2416796"/>
-            <a:ext cx="10342345" cy="3950795"/>
+            <a:off x="1609992" y="2567304"/>
+            <a:ext cx="10332848" cy="3950795"/>
           </a:xfrm>
           <a:prstGeom prst="rect">
             <a:avLst/>
@@ -17011,7 +16843,7 @@
         <p:spPr>
           <a:xfrm>
             <a:off x="812958" y="1545858"/>
-            <a:ext cx="10807382" cy="369332"/>
+            <a:ext cx="10807382" cy="769441"/>
           </a:xfrm>
           <a:prstGeom prst="rect">
             <a:avLst/>
@@ -17024,25 +16856,32 @@
           <a:lstStyle/>
           <a:p>
             <a:r>
-              <a:rPr lang="en-US" dirty="0">
+              <a:rPr lang="en-US" sz="2200" dirty="0">
                 <a:latin typeface="Oxygen" panose="02000503000000000000" pitchFamily="2" charset="77"/>
                 <a:cs typeface="Times New Roman" panose="02020603050405020304" pitchFamily="18" charset="0"/>
               </a:rPr>
-              <a:t>These data allow us to formalize the relationship </a:t>
+              <a:t>This instrument allows us to formalize the relationship between </a:t>
             </a:r>
             <a:r>
-              <a:rPr lang="en-US">
+              <a:rPr lang="en-US" sz="2200" b="1" dirty="0">
                 <a:latin typeface="Oxygen" panose="02000503000000000000" pitchFamily="2" charset="77"/>
                 <a:cs typeface="Times New Roman" panose="02020603050405020304" pitchFamily="18" charset="0"/>
               </a:rPr>
-              <a:t>between motivators, hygiene factors, </a:t>
+              <a:t>motivators, hygiene factors, </a:t>
             </a:r>
             <a:r>
-              <a:rPr lang="en-US" dirty="0">
+              <a:rPr lang="en-US" sz="2200" dirty="0">
                 <a:latin typeface="Oxygen" panose="02000503000000000000" pitchFamily="2" charset="77"/>
                 <a:cs typeface="Times New Roman" panose="02020603050405020304" pitchFamily="18" charset="0"/>
               </a:rPr>
-              <a:t>and satisfaction.</a:t>
+              <a:t>and</a:t>
+            </a:r>
+            <a:r>
+              <a:rPr lang="en-US" sz="2200" b="1" dirty="0">
+                <a:latin typeface="Oxygen" panose="02000503000000000000" pitchFamily="2" charset="77"/>
+                <a:cs typeface="Times New Roman" panose="02020603050405020304" pitchFamily="18" charset="0"/>
+              </a:rPr>
+              <a:t> satisfaction.</a:t>
             </a:r>
           </a:p>
         </p:txBody>
@@ -17051,6 +16890,110 @@
     <p:extLst>
       <p:ext uri="{BB962C8B-B14F-4D97-AF65-F5344CB8AC3E}">
         <p14:creationId xmlns:p14="http://schemas.microsoft.com/office/powerpoint/2010/main" val="1163331529"/>
+      </p:ext>
+    </p:extLst>
+  </p:cSld>
+  <p:clrMapOvr>
+    <a:masterClrMapping/>
+  </p:clrMapOvr>
+</p:sld>
+</file>
+
+<file path=ppt/slides/slide7.xml><?xml version="1.0" encoding="utf-8"?>
+<p:sld xmlns:a="http://schemas.openxmlformats.org/drawingml/2006/main" xmlns:r="http://schemas.openxmlformats.org/officeDocument/2006/relationships" xmlns:p="http://schemas.openxmlformats.org/presentationml/2006/main">
+  <p:cSld>
+    <p:spTree>
+      <p:nvGrpSpPr>
+        <p:cNvPr id="1" name=""/>
+        <p:cNvGrpSpPr/>
+        <p:nvPr/>
+      </p:nvGrpSpPr>
+      <p:grpSpPr>
+        <a:xfrm>
+          <a:off x="0" y="0"/>
+          <a:ext cx="0" cy="0"/>
+          <a:chOff x="0" y="0"/>
+          <a:chExt cx="0" cy="0"/>
+        </a:xfrm>
+      </p:grpSpPr>
+      <p:pic>
+        <p:nvPicPr>
+          <p:cNvPr id="4" name="Picture 3">
+            <a:extLst>
+              <a:ext uri="{FF2B5EF4-FFF2-40B4-BE49-F238E27FC236}">
+                <a16:creationId xmlns:a16="http://schemas.microsoft.com/office/drawing/2014/main" id="{AE462CF9-26A2-5A61-9143-D6231185E455}"/>
+              </a:ext>
+            </a:extLst>
+          </p:cNvPr>
+          <p:cNvPicPr/>
+          <p:nvPr/>
+        </p:nvPicPr>
+        <p:blipFill>
+          <a:blip r:embed="rId2" cstate="print">
+            <a:extLst>
+              <a:ext uri="{28A0092B-C50C-407E-A947-70E740481C1C}">
+                <a14:useLocalDpi xmlns:a14="http://schemas.microsoft.com/office/drawing/2010/main" val="0"/>
+              </a:ext>
+            </a:extLst>
+          </a:blip>
+          <a:stretch>
+            <a:fillRect/>
+          </a:stretch>
+        </p:blipFill>
+        <p:spPr>
+          <a:xfrm>
+            <a:off x="3057515" y="1213887"/>
+            <a:ext cx="6076970" cy="5644113"/>
+          </a:xfrm>
+          <a:prstGeom prst="rect">
+            <a:avLst/>
+          </a:prstGeom>
+        </p:spPr>
+      </p:pic>
+      <p:sp>
+        <p:nvSpPr>
+          <p:cNvPr id="5" name="Rectangle 4">
+            <a:extLst>
+              <a:ext uri="{FF2B5EF4-FFF2-40B4-BE49-F238E27FC236}">
+                <a16:creationId xmlns:a16="http://schemas.microsoft.com/office/drawing/2014/main" id="{B98474F4-3A16-A413-2B79-8F7C884EC5C1}"/>
+              </a:ext>
+            </a:extLst>
+          </p:cNvPr>
+          <p:cNvSpPr/>
+          <p:nvPr/>
+        </p:nvSpPr>
+        <p:spPr>
+          <a:xfrm>
+            <a:off x="1384534" y="210664"/>
+            <a:ext cx="10254730" cy="646331"/>
+          </a:xfrm>
+          <a:prstGeom prst="rect">
+            <a:avLst/>
+          </a:prstGeom>
+        </p:spPr>
+        <p:txBody>
+          <a:bodyPr wrap="none">
+            <a:spAutoFit/>
+          </a:bodyPr>
+          <a:lstStyle/>
+          <a:p>
+            <a:r>
+              <a:rPr lang="en-US" sz="3600" dirty="0">
+                <a:latin typeface="Oxygen" panose="02000503000000000000" pitchFamily="2" charset="77"/>
+                <a:ea typeface="Times New Roman" panose="02020603050405020304" pitchFamily="18" charset="0"/>
+              </a:rPr>
+              <a:t>Correlations Among Survey Question Responses</a:t>
+            </a:r>
+            <a:endParaRPr lang="en-US" sz="3600" dirty="0">
+              <a:latin typeface="Oxygen" panose="02000503000000000000" pitchFamily="2" charset="77"/>
+            </a:endParaRPr>
+          </a:p>
+        </p:txBody>
+      </p:sp>
+    </p:spTree>
+    <p:extLst>
+      <p:ext uri="{BB962C8B-B14F-4D97-AF65-F5344CB8AC3E}">
+        <p14:creationId xmlns:p14="http://schemas.microsoft.com/office/powerpoint/2010/main" val="1842160530"/>
       </p:ext>
     </p:extLst>
   </p:cSld>

--- a/2023/20231118/dsi-kris.pptx
+++ b/2023/20231118/dsi-kris.pptx
@@ -298,7 +298,7 @@
           <a:p>
             <a:fld id="{54B15FB7-4475-4415-91D1-46C061696B9A}" type="datetimeFigureOut">
               <a:rPr lang="en-US" smtClean="0"/>
-              <a:t>11/17/23</a:t>
+              <a:t>11/18/23</a:t>
             </a:fld>
             <a:endParaRPr lang="en-US"/>
           </a:p>
@@ -628,7 +628,7 @@
           <a:p>
             <a:fld id="{54B15FB7-4475-4415-91D1-46C061696B9A}" type="datetimeFigureOut">
               <a:rPr lang="en-US" smtClean="0"/>
-              <a:t>11/17/23</a:t>
+              <a:t>11/18/23</a:t>
             </a:fld>
             <a:endParaRPr lang="en-US"/>
           </a:p>
@@ -808,7 +808,7 @@
           <a:p>
             <a:fld id="{54B15FB7-4475-4415-91D1-46C061696B9A}" type="datetimeFigureOut">
               <a:rPr lang="en-US" smtClean="0"/>
-              <a:t>11/17/23</a:t>
+              <a:t>11/18/23</a:t>
             </a:fld>
             <a:endParaRPr lang="en-US"/>
           </a:p>
@@ -978,7 +978,7 @@
           <a:p>
             <a:fld id="{54B15FB7-4475-4415-91D1-46C061696B9A}" type="datetimeFigureOut">
               <a:rPr lang="en-US" smtClean="0"/>
-              <a:t>11/17/23</a:t>
+              <a:t>11/18/23</a:t>
             </a:fld>
             <a:endParaRPr lang="en-US"/>
           </a:p>
@@ -1255,7 +1255,7 @@
           <a:p>
             <a:fld id="{54B15FB7-4475-4415-91D1-46C061696B9A}" type="datetimeFigureOut">
               <a:rPr lang="en-US" smtClean="0"/>
-              <a:t>11/17/23</a:t>
+              <a:t>11/18/23</a:t>
             </a:fld>
             <a:endParaRPr lang="en-US"/>
           </a:p>
@@ -1649,7 +1649,7 @@
           <a:p>
             <a:fld id="{54B15FB7-4475-4415-91D1-46C061696B9A}" type="datetimeFigureOut">
               <a:rPr lang="en-US" smtClean="0"/>
-              <a:t>11/17/23</a:t>
+              <a:t>11/18/23</a:t>
             </a:fld>
             <a:endParaRPr lang="en-US"/>
           </a:p>
@@ -2126,7 +2126,7 @@
           <a:p>
             <a:fld id="{54B15FB7-4475-4415-91D1-46C061696B9A}" type="datetimeFigureOut">
               <a:rPr lang="en-US" smtClean="0"/>
-              <a:t>11/17/23</a:t>
+              <a:t>11/18/23</a:t>
             </a:fld>
             <a:endParaRPr lang="en-US"/>
           </a:p>
@@ -2244,7 +2244,7 @@
           <a:p>
             <a:fld id="{54B15FB7-4475-4415-91D1-46C061696B9A}" type="datetimeFigureOut">
               <a:rPr lang="en-US" smtClean="0"/>
-              <a:t>11/17/23</a:t>
+              <a:t>11/18/23</a:t>
             </a:fld>
             <a:endParaRPr lang="en-US"/>
           </a:p>
@@ -2339,7 +2339,7 @@
           <a:p>
             <a:fld id="{54B15FB7-4475-4415-91D1-46C061696B9A}" type="datetimeFigureOut">
               <a:rPr lang="en-US" smtClean="0"/>
-              <a:t>11/17/23</a:t>
+              <a:t>11/18/23</a:t>
             </a:fld>
             <a:endParaRPr lang="en-US"/>
           </a:p>
@@ -2685,7 +2685,7 @@
           <a:p>
             <a:fld id="{54B15FB7-4475-4415-91D1-46C061696B9A}" type="datetimeFigureOut">
               <a:rPr lang="en-US" smtClean="0"/>
-              <a:t>11/17/23</a:t>
+              <a:t>11/18/23</a:t>
             </a:fld>
             <a:endParaRPr lang="en-US"/>
           </a:p>
@@ -3073,7 +3073,7 @@
           <a:p>
             <a:fld id="{54B15FB7-4475-4415-91D1-46C061696B9A}" type="datetimeFigureOut">
               <a:rPr lang="en-US" smtClean="0"/>
-              <a:t>11/17/23</a:t>
+              <a:t>11/18/23</a:t>
             </a:fld>
             <a:endParaRPr lang="en-US"/>
           </a:p>
@@ -3351,7 +3351,7 @@
           <a:p>
             <a:fld id="{54B15FB7-4475-4415-91D1-46C061696B9A}" type="datetimeFigureOut">
               <a:rPr lang="en-US" smtClean="0"/>
-              <a:t>11/17/23</a:t>
+              <a:t>11/18/23</a:t>
             </a:fld>
             <a:endParaRPr lang="en-US"/>
           </a:p>
@@ -4566,8 +4566,8 @@
           </a:p>
         </p:txBody>
       </p:sp>
-      <mc:AlternateContent xmlns:mc="http://schemas.openxmlformats.org/markup-compatibility/2006">
-        <mc:Choice xmlns:a14="http://schemas.microsoft.com/office/drawing/2010/main" Requires="a14">
+      <mc:AlternateContent xmlns:mc="http://schemas.openxmlformats.org/markup-compatibility/2006" xmlns:a14="http://schemas.microsoft.com/office/drawing/2010/main">
+        <mc:Choice Requires="a14">
           <p:sp>
             <p:nvSpPr>
               <p:cNvPr id="4" name="Rectangle 3"/>
@@ -4793,7 +4793,7 @@
             </p:txBody>
           </p:sp>
         </mc:Choice>
-        <mc:Fallback>
+        <mc:Fallback xmlns="">
           <p:sp>
             <p:nvSpPr>
               <p:cNvPr id="4" name="Rectangle 3"/>
@@ -11594,18 +11594,11 @@
           </a:p>
           <a:p>
             <a:r>
-              <a:rPr lang="en-US">
-                <a:latin typeface="Oxygen" panose="02000503000000000000" pitchFamily="2" charset="77"/>
-                <a:ea typeface="Times New Roman" panose="02020603050405020304" pitchFamily="18" charset="0"/>
-              </a:rPr>
-              <a:t>Informally, </a:t>
-            </a:r>
-            <a:r>
               <a:rPr lang="en-US" dirty="0">
                 <a:latin typeface="Oxygen" panose="02000503000000000000" pitchFamily="2" charset="77"/>
                 <a:ea typeface="Times New Roman" panose="02020603050405020304" pitchFamily="18" charset="0"/>
               </a:rPr>
-              <a:t>we found that the richness of the R package ecosystem sparked students’ curiosity to learn more.</a:t>
+              <a:t>Informally, we found that the richness of the R package ecosystem sparked students’ curiosity to learn more.</a:t>
             </a:r>
           </a:p>
           <a:p>
@@ -11745,6 +11738,44 @@
           </a:fontRef>
         </p:style>
       </p:cxnSp>
+      <p:pic>
+        <p:nvPicPr>
+          <p:cNvPr id="9" name="Graphic 8">
+            <a:extLst>
+              <a:ext uri="{FF2B5EF4-FFF2-40B4-BE49-F238E27FC236}">
+                <a16:creationId xmlns:a16="http://schemas.microsoft.com/office/drawing/2014/main" id="{F55702FC-CCC7-185F-0C85-4CA377434AE8}"/>
+              </a:ext>
+            </a:extLst>
+          </p:cNvPr>
+          <p:cNvPicPr>
+            <a:picLocks noChangeAspect="1"/>
+          </p:cNvPicPr>
+          <p:nvPr/>
+        </p:nvPicPr>
+        <p:blipFill rotWithShape="1">
+          <a:blip r:embed="rId6">
+            <a:extLst>
+              <a:ext uri="{28A0092B-C50C-407E-A947-70E740481C1C}">
+                <a14:useLocalDpi xmlns:a14="http://schemas.microsoft.com/office/drawing/2010/main" val="0"/>
+              </a:ext>
+              <a:ext uri="{96DAC541-7B7A-43D3-8B79-37D633B846F1}">
+                <asvg:svgBlip xmlns:asvg="http://schemas.microsoft.com/office/drawing/2016/SVG/main" r:embed="rId7"/>
+              </a:ext>
+            </a:extLst>
+          </a:blip>
+          <a:srcRect b="18998"/>
+          <a:stretch/>
+        </p:blipFill>
+        <p:spPr>
+          <a:xfrm>
+            <a:off x="5619750" y="2838450"/>
+            <a:ext cx="952500" cy="956710"/>
+          </a:xfrm>
+          <a:prstGeom prst="rect">
+            <a:avLst/>
+          </a:prstGeom>
+        </p:spPr>
+      </p:pic>
     </p:spTree>
     <p:extLst>
       <p:ext uri="{BB962C8B-B14F-4D97-AF65-F5344CB8AC3E}">

--- a/2023/20231118/dsi-kris.pptx
+++ b/2023/20231118/dsi-kris.pptx
@@ -7770,7 +7770,7 @@
         </p:blipFill>
         <p:spPr>
           <a:xfrm>
-            <a:off x="2914002" y="663480"/>
+            <a:off x="2914002" y="779391"/>
             <a:ext cx="6193422" cy="1692624"/>
           </a:xfrm>
           <a:prstGeom prst="rect">
@@ -12191,7 +12191,7 @@
         </p:nvSpPr>
         <p:spPr>
           <a:xfrm>
-            <a:off x="4952627" y="599440"/>
+            <a:off x="3648502" y="622258"/>
             <a:ext cx="4382931" cy="646331"/>
           </a:xfrm>
           <a:prstGeom prst="rect">
@@ -12489,7 +12489,7 @@
         </p:nvSpPr>
         <p:spPr>
           <a:xfrm>
-            <a:off x="4292878" y="565988"/>
+            <a:off x="4624283" y="553109"/>
             <a:ext cx="2943434" cy="646331"/>
           </a:xfrm>
           <a:prstGeom prst="rect">
